--- a/Year1/Semester2/Object-Oriented Programming/My_Work/Courses/curs3_POO_2024-2025.pptx
+++ b/Year1/Semester2/Object-Oriented Programming/My_Work/Courses/curs3_POO_2024-2025.pptx
@@ -185,7 +185,7 @@
   </p:defaultTextStyle>
   <p:extLst>
     <p:ext uri="{EFAFB233-063F-42B5-8137-9DF3F51BA10A}">
-      <p15:sldGuideLst xmlns:p15="http://schemas.microsoft.com/office/powerpoint/2012/main">
+      <p15:sldGuideLst xmlns:p15="http://schemas.microsoft.com/office/powerpoint/2012/main" xmlns="">
         <p15:guide id="1" orient="horz" pos="2160">
           <p15:clr>
             <a:srgbClr val="A4A3A4"/>
@@ -29734,70 +29734,149 @@
           </a:p>
         </p:txBody>
       </p:sp>
-      <p:pic>
-        <p:nvPicPr>
-          <p:cNvPr id="5123" name="Picture 3"/>
-          <p:cNvPicPr>
-            <a:picLocks noChangeAspect="1" noChangeArrowheads="1"/>
-          </p:cNvPicPr>
+      <p:grpSp>
+        <p:nvGrpSpPr>
+          <p:cNvPr id="5194" name="Group 5193"/>
+          <p:cNvGrpSpPr/>
           <p:nvPr/>
-        </p:nvPicPr>
-        <p:blipFill>
-          <a:blip r:embed="rId3" cstate="print">
+        </p:nvGrpSpPr>
+        <p:grpSpPr>
+          <a:xfrm>
+            <a:off x="1295400" y="1752600"/>
+            <a:ext cx="6998462" cy="4495800"/>
+            <a:chOff x="533400" y="1752600"/>
+            <a:chExt cx="6998462" cy="4495800"/>
+          </a:xfrm>
+        </p:grpSpPr>
+        <p:pic>
+          <p:nvPicPr>
+            <p:cNvPr id="1160" name="Picture 136"/>
+            <p:cNvPicPr>
+              <a:picLocks noChangeAspect="1" noChangeArrowheads="1"/>
+            </p:cNvPicPr>
+            <p:nvPr/>
+          </p:nvPicPr>
+          <p:blipFill>
+            <a:blip r:embed="rId3">
+              <a:extLst>
+                <a:ext uri="{28A0092B-C50C-407E-A947-70E740481C1C}">
+                  <a14:useLocalDpi xmlns:a14="http://schemas.microsoft.com/office/drawing/2010/main" val="0"/>
+                </a:ext>
+              </a:extLst>
+            </a:blip>
+            <a:srcRect/>
+            <a:stretch>
+              <a:fillRect/>
+            </a:stretch>
+          </p:blipFill>
+          <p:spPr bwMode="auto">
+            <a:xfrm>
+              <a:off x="533400" y="1752600"/>
+              <a:ext cx="6998462" cy="4495800"/>
+            </a:xfrm>
+            <a:prstGeom prst="rect">
+              <a:avLst/>
+            </a:prstGeom>
+            <a:noFill/>
+            <a:ln>
+              <a:noFill/>
+            </a:ln>
+            <a:effectLst/>
             <a:extLst>
-              <a:ext uri="{28A0092B-C50C-407E-A947-70E740481C1C}">
-                <a14:useLocalDpi xmlns:a14="http://schemas.microsoft.com/office/drawing/2010/main" val="0"/>
+              <a:ext uri="{909E8E84-426E-40DD-AFC4-6F175D3DCCD1}">
+                <a14:hiddenFill xmlns:a14="http://schemas.microsoft.com/office/drawing/2010/main">
+                  <a:solidFill>
+                    <a:schemeClr val="accent1"/>
+                  </a:solidFill>
+                </a14:hiddenFill>
+              </a:ext>
+              <a:ext uri="{91240B29-F687-4F45-9708-019B960494DF}">
+                <a14:hiddenLine xmlns:a14="http://schemas.microsoft.com/office/drawing/2010/main" w="9525">
+                  <a:solidFill>
+                    <a:schemeClr val="tx1"/>
+                  </a:solidFill>
+                  <a:miter lim="800000"/>
+                  <a:headEnd/>
+                  <a:tailEnd/>
+                </a14:hiddenLine>
+              </a:ext>
+              <a:ext uri="{AF507438-7753-43E0-B8FC-AC1667EBCBE1}">
+                <a14:hiddenEffects xmlns:a14="http://schemas.microsoft.com/office/drawing/2010/main">
+                  <a:effectLst>
+                    <a:outerShdw dist="35921" dir="2700000" algn="ctr" rotWithShape="0">
+                      <a:schemeClr val="bg2"/>
+                    </a:outerShdw>
+                  </a:effectLst>
+                </a14:hiddenEffects>
               </a:ext>
             </a:extLst>
-          </a:blip>
-          <a:srcRect/>
-          <a:stretch>
-            <a:fillRect/>
-          </a:stretch>
-        </p:blipFill>
-        <p:spPr bwMode="auto">
-          <a:xfrm>
-            <a:off x="1601788" y="1970088"/>
-            <a:ext cx="7313612" cy="3897312"/>
-          </a:xfrm>
-          <a:prstGeom prst="rect">
-            <a:avLst/>
-          </a:prstGeom>
-          <a:noFill/>
-          <a:ln>
+          </p:spPr>
+        </p:pic>
+        <p:pic>
+          <p:nvPicPr>
+            <p:cNvPr id="1161" name="Picture 137"/>
+            <p:cNvPicPr>
+              <a:picLocks noChangeAspect="1" noChangeArrowheads="1"/>
+            </p:cNvPicPr>
+            <p:nvPr/>
+          </p:nvPicPr>
+          <p:blipFill>
+            <a:blip r:embed="rId4">
+              <a:extLst>
+                <a:ext uri="{28A0092B-C50C-407E-A947-70E740481C1C}">
+                  <a14:useLocalDpi xmlns:a14="http://schemas.microsoft.com/office/drawing/2010/main" val="0"/>
+                </a:ext>
+              </a:extLst>
+            </a:blip>
+            <a:srcRect/>
+            <a:stretch>
+              <a:fillRect/>
+            </a:stretch>
+          </p:blipFill>
+          <p:spPr bwMode="auto">
+            <a:xfrm>
+              <a:off x="3581400" y="4876800"/>
+              <a:ext cx="3740150" cy="1168400"/>
+            </a:xfrm>
+            <a:prstGeom prst="rect">
+              <a:avLst/>
+            </a:prstGeom>
             <a:noFill/>
-          </a:ln>
-          <a:effectLst/>
-          <a:extLst>
-            <a:ext uri="{909E8E84-426E-40DD-AFC4-6F175D3DCCD1}">
-              <a14:hiddenFill xmlns:a14="http://schemas.microsoft.com/office/drawing/2010/main">
-                <a:solidFill>
-                  <a:schemeClr val="accent1"/>
-                </a:solidFill>
-              </a14:hiddenFill>
-            </a:ext>
-            <a:ext uri="{91240B29-F687-4F45-9708-019B960494DF}">
-              <a14:hiddenLine xmlns:a14="http://schemas.microsoft.com/office/drawing/2010/main" w="9525">
-                <a:solidFill>
-                  <a:schemeClr val="tx1"/>
-                </a:solidFill>
-                <a:miter lim="800000"/>
-                <a:headEnd/>
-                <a:tailEnd/>
-              </a14:hiddenLine>
-            </a:ext>
-            <a:ext uri="{AF507438-7753-43E0-B8FC-AC1667EBCBE1}">
-              <a14:hiddenEffects xmlns:a14="http://schemas.microsoft.com/office/drawing/2010/main">
-                <a:effectLst>
-                  <a:outerShdw dist="35921" dir="2700000" algn="ctr" rotWithShape="0">
-                    <a:schemeClr val="bg2"/>
-                  </a:outerShdw>
-                </a:effectLst>
-              </a14:hiddenEffects>
-            </a:ext>
-          </a:extLst>
-        </p:spPr>
-      </p:pic>
+            <a:ln>
+              <a:noFill/>
+            </a:ln>
+            <a:effectLst/>
+            <a:extLst>
+              <a:ext uri="{909E8E84-426E-40DD-AFC4-6F175D3DCCD1}">
+                <a14:hiddenFill xmlns:a14="http://schemas.microsoft.com/office/drawing/2010/main">
+                  <a:solidFill>
+                    <a:schemeClr val="accent1"/>
+                  </a:solidFill>
+                </a14:hiddenFill>
+              </a:ext>
+              <a:ext uri="{91240B29-F687-4F45-9708-019B960494DF}">
+                <a14:hiddenLine xmlns:a14="http://schemas.microsoft.com/office/drawing/2010/main" w="9525">
+                  <a:solidFill>
+                    <a:schemeClr val="tx1"/>
+                  </a:solidFill>
+                  <a:miter lim="800000"/>
+                  <a:headEnd/>
+                  <a:tailEnd/>
+                </a14:hiddenLine>
+              </a:ext>
+              <a:ext uri="{AF507438-7753-43E0-B8FC-AC1667EBCBE1}">
+                <a14:hiddenEffects xmlns:a14="http://schemas.microsoft.com/office/drawing/2010/main">
+                  <a:effectLst>
+                    <a:outerShdw dist="35921" dir="2700000" algn="ctr" rotWithShape="0">
+                      <a:schemeClr val="bg2"/>
+                    </a:outerShdw>
+                  </a:effectLst>
+                </a14:hiddenEffects>
+              </a:ext>
+            </a:extLst>
+          </p:spPr>
+        </p:pic>
+      </p:grpSp>
     </p:spTree>
   </p:cSld>
   <p:clrMapOvr>
@@ -30142,11 +30221,13 @@
               <a:t> </a:t>
             </a:r>
             <a:r>
-              <a:rPr lang="en-US" sz="1800" dirty="0"/>
-              <a:t>25</a:t>
-            </a:r>
-            <a:r>
-              <a:rPr lang="en-US" sz="1800" dirty="0">
+              <a:rPr lang="en-US" sz="1800" dirty="0" smtClean="0">
+                <a:sym typeface="Arial"/>
+              </a:rPr>
+              <a:t>13</a:t>
+            </a:r>
+            <a:r>
+              <a:rPr lang="en-US" sz="1800" dirty="0" smtClean="0">
                 <a:latin typeface="Arial"/>
                 <a:ea typeface="Arial"/>
                 <a:cs typeface="Arial"/>
@@ -30312,7 +30393,25 @@
                 <a:cs typeface="Arial"/>
                 <a:sym typeface="Arial"/>
               </a:rPr>
-              <a:t> 25";}</a:t>
+              <a:t> </a:t>
+            </a:r>
+            <a:r>
+              <a:rPr lang="en-US" sz="1800" dirty="0" smtClean="0">
+                <a:latin typeface="Arial"/>
+                <a:ea typeface="Arial"/>
+                <a:cs typeface="Arial"/>
+                <a:sym typeface="Arial"/>
+              </a:rPr>
+              <a:t>13</a:t>
+            </a:r>
+            <a:r>
+              <a:rPr lang="en-US" sz="1800" dirty="0" smtClean="0">
+                <a:latin typeface="Arial"/>
+                <a:ea typeface="Arial"/>
+                <a:cs typeface="Arial"/>
+                <a:sym typeface="Arial"/>
+              </a:rPr>
+              <a:t>";}</a:t>
             </a:r>
             <a:endParaRPr sz="1600" dirty="0"/>
           </a:p>
@@ -30350,7 +30449,25 @@
                 <a:cs typeface="Arial"/>
                 <a:sym typeface="Arial"/>
               </a:rPr>
-              <a:t> x, float y, string z) {this-&gt;x = x; this-&gt;y = y; z = z;}</a:t>
+              <a:t> x, float y, string z) {this-&gt;x = x; this-&gt;y = y; </a:t>
+            </a:r>
+            <a:r>
+              <a:rPr lang="en-US" sz="1800" dirty="0" smtClean="0">
+                <a:latin typeface="Arial"/>
+                <a:ea typeface="Arial"/>
+                <a:cs typeface="Arial"/>
+                <a:sym typeface="Arial"/>
+              </a:rPr>
+              <a:t>this-&gt;z </a:t>
+            </a:r>
+            <a:r>
+              <a:rPr lang="en-US" sz="1800" dirty="0">
+                <a:latin typeface="Arial"/>
+                <a:ea typeface="Arial"/>
+                <a:cs typeface="Arial"/>
+                <a:sym typeface="Arial"/>
+              </a:rPr>
+              <a:t>= z;}</a:t>
             </a:r>
             <a:endParaRPr sz="1600" dirty="0"/>
           </a:p>
@@ -30922,10 +31039,25 @@
                 <a:cs typeface="Arial"/>
                 <a:sym typeface="Arial"/>
               </a:rPr>
-              <a:t>") // </a:t>
+              <a:t>") </a:t>
+            </a:r>
+            <a:r>
+              <a:rPr lang="en-US" sz="1800" dirty="0">
+                <a:solidFill>
+                  <a:srgbClr val="0070C0"/>
+                </a:solidFill>
+                <a:latin typeface="Arial"/>
+                <a:ea typeface="Arial"/>
+                <a:cs typeface="Arial"/>
+                <a:sym typeface="Arial"/>
+              </a:rPr>
+              <a:t>// </a:t>
             </a:r>
             <a:r>
               <a:rPr lang="en-US" sz="1800" dirty="0" err="1">
+                <a:solidFill>
+                  <a:srgbClr val="0070C0"/>
+                </a:solidFill>
                 <a:latin typeface="Arial"/>
                 <a:ea typeface="Arial"/>
                 <a:cs typeface="Arial"/>
@@ -30935,6 +31067,9 @@
             </a:r>
             <a:r>
               <a:rPr lang="en-US" sz="1800" dirty="0">
+                <a:solidFill>
+                  <a:srgbClr val="0070C0"/>
+                </a:solidFill>
                 <a:latin typeface="Arial"/>
                 <a:ea typeface="Arial"/>
                 <a:cs typeface="Arial"/>
@@ -30944,6 +31079,9 @@
             </a:r>
             <a:r>
               <a:rPr lang="en-US" sz="1800" dirty="0" err="1">
+                <a:solidFill>
+                  <a:srgbClr val="0070C0"/>
+                </a:solidFill>
                 <a:latin typeface="Arial"/>
                 <a:ea typeface="Arial"/>
                 <a:cs typeface="Arial"/>
@@ -30953,6 +31091,9 @@
             </a:r>
             <a:r>
               <a:rPr lang="en-US" sz="1800" dirty="0">
+                <a:solidFill>
+                  <a:srgbClr val="0070C0"/>
+                </a:solidFill>
                 <a:latin typeface="Arial"/>
                 <a:ea typeface="Arial"/>
                 <a:cs typeface="Arial"/>
@@ -30962,6 +31103,9 @@
             </a:r>
             <a:r>
               <a:rPr lang="en-US" sz="1800" dirty="0" err="1">
+                <a:solidFill>
+                  <a:srgbClr val="0070C0"/>
+                </a:solidFill>
                 <a:latin typeface="Arial"/>
                 <a:ea typeface="Arial"/>
                 <a:cs typeface="Arial"/>
@@ -30969,7 +31113,11 @@
               </a:rPr>
               <a:t>param</a:t>
             </a:r>
-            <a:endParaRPr sz="1600" dirty="0"/>
+            <a:endParaRPr sz="1600" dirty="0">
+              <a:solidFill>
+                <a:srgbClr val="0070C0"/>
+              </a:solidFill>
+            </a:endParaRPr>
           </a:p>
           <a:p>
             <a:pPr>
@@ -30987,7 +31135,25 @@
                 <a:cs typeface="Arial"/>
                 <a:sym typeface="Arial"/>
               </a:rPr>
-              <a:t>    {this-&gt;x = x; this-&gt;y = y; z = z;}</a:t>
+              <a:t>    {this-&gt;x = x; this-&gt;y = y; </a:t>
+            </a:r>
+            <a:r>
+              <a:rPr lang="en-US" sz="1800" dirty="0" smtClean="0">
+                <a:latin typeface="Arial"/>
+                <a:ea typeface="Arial"/>
+                <a:cs typeface="Arial"/>
+                <a:sym typeface="Arial"/>
+              </a:rPr>
+              <a:t>this-&gt;z </a:t>
+            </a:r>
+            <a:r>
+              <a:rPr lang="en-US" sz="1800" dirty="0">
+                <a:latin typeface="Arial"/>
+                <a:ea typeface="Arial"/>
+                <a:cs typeface="Arial"/>
+                <a:sym typeface="Arial"/>
+              </a:rPr>
+              <a:t>= z;}</a:t>
             </a:r>
             <a:endParaRPr sz="1600" dirty="0"/>
           </a:p>
@@ -53371,15 +53537,6 @@
 </file>
 
 <file path=customXml/item1.xml><?xml version="1.0" encoding="utf-8"?>
-<?mso-contentType ?>
-<FormTemplates xmlns="http://schemas.microsoft.com/sharepoint/v3/contenttype/forms">
-  <Display>DocumentLibraryForm</Display>
-  <Edit>DocumentLibraryForm</Edit>
-  <New>DocumentLibraryForm</New>
-</FormTemplates>
-</file>
-
-<file path=customXml/item2.xml><?xml version="1.0" encoding="utf-8"?>
 <ct:contentTypeSchema xmlns:ct="http://schemas.microsoft.com/office/2006/metadata/contentType" xmlns:ma="http://schemas.microsoft.com/office/2006/metadata/properties/metaAttributes" ct:_="" ma:_="" ma:contentTypeName="Document" ma:contentTypeID="0x010100820DA2AE165CF1429BADCF6435128742" ma:contentTypeVersion="4" ma:contentTypeDescription="Creați un document nou." ma:contentTypeScope="" ma:versionID="acbd44dd8869a784297b460c8c0dd618">
   <xsd:schema xmlns:xsd="http://www.w3.org/2001/XMLSchema" xmlns:xs="http://www.w3.org/2001/XMLSchema" xmlns:p="http://schemas.microsoft.com/office/2006/metadata/properties" xmlns:ns2="aebcd26b-c1b4-4a6d-bf24-fec13a4c3a38" targetNamespace="http://schemas.microsoft.com/office/2006/metadata/properties" ma:root="true" ma:fieldsID="f1457a887aeb5abdc762aae41139028e" ns2:_="">
     <xsd:import namespace="aebcd26b-c1b4-4a6d-bf24-fec13a4c3a38"/>
@@ -53523,6 +53680,15 @@
 </ct:contentTypeSchema>
 </file>
 
+<file path=customXml/item2.xml><?xml version="1.0" encoding="utf-8"?>
+<?mso-contentType ?>
+<FormTemplates xmlns="http://schemas.microsoft.com/sharepoint/v3/contenttype/forms">
+  <Display>DocumentLibraryForm</Display>
+  <Edit>DocumentLibraryForm</Edit>
+  <New>DocumentLibraryForm</New>
+</FormTemplates>
+</file>
+
 <file path=customXml/item3.xml><?xml version="1.0" encoding="utf-8"?>
 <p:properties xmlns:p="http://schemas.microsoft.com/office/2006/metadata/properties" xmlns:xsi="http://www.w3.org/2001/XMLSchema-instance" xmlns:pc="http://schemas.microsoft.com/office/infopath/2007/PartnerControls">
   <documentManagement/>
@@ -53530,15 +53696,29 @@
 </file>
 
 <file path=customXml/itemProps1.xml><?xml version="1.0" encoding="utf-8"?>
+<ds:datastoreItem xmlns:ds="http://schemas.openxmlformats.org/officeDocument/2006/customXml" ds:itemID="{A7FF3880-E5EA-4C08-97AD-6DEA23C14F4D}">
+  <ds:schemaRefs>
+    <ds:schemaRef ds:uri="http://schemas.microsoft.com/office/2006/metadata/contentType"/>
+    <ds:schemaRef ds:uri="http://schemas.microsoft.com/office/2006/metadata/properties/metaAttributes"/>
+    <ds:schemaRef ds:uri="http://www.w3.org/2001/XMLSchema"/>
+    <ds:schemaRef ds:uri="http://schemas.microsoft.com/office/2006/metadata/properties"/>
+    <ds:schemaRef ds:uri="aebcd26b-c1b4-4a6d-bf24-fec13a4c3a38"/>
+    <ds:schemaRef ds:uri="http://schemas.microsoft.com/office/2006/documentManagement/types"/>
+    <ds:schemaRef ds:uri="http://schemas.microsoft.com/office/infopath/2007/PartnerControls"/>
+    <ds:schemaRef ds:uri="http://schemas.openxmlformats.org/package/2006/metadata/core-properties"/>
+    <ds:schemaRef ds:uri="http://purl.org/dc/elements/1.1/"/>
+    <ds:schemaRef ds:uri="http://purl.org/dc/terms/"/>
+    <ds:schemaRef ds:uri="http://schemas.microsoft.com/internal/obd"/>
+  </ds:schemaRefs>
+</ds:datastoreItem>
+</file>
+
+<file path=customXml/itemProps2.xml><?xml version="1.0" encoding="utf-8"?>
 <ds:datastoreItem xmlns:ds="http://schemas.openxmlformats.org/officeDocument/2006/customXml" ds:itemID="{33B0EF28-D7BB-444C-A5BA-2CF874108122}">
   <ds:schemaRefs>
     <ds:schemaRef ds:uri="http://schemas.microsoft.com/sharepoint/v3/contenttype/forms"/>
   </ds:schemaRefs>
 </ds:datastoreItem>
-</file>
-
-<file path=customXml/itemProps2.xml><?xml version="1.0" encoding="utf-8"?>
-<ds:datastoreItem xmlns:ds="http://schemas.openxmlformats.org/officeDocument/2006/customXml" ds:itemID="{A7FF3880-E5EA-4C08-97AD-6DEA23C14F4D}"/>
 </file>
 
 <file path=customXml/itemProps3.xml><?xml version="1.0" encoding="utf-8"?>
